--- a/Presentation1.pptx
+++ b/Presentation1.pptx
@@ -3220,7 +3220,7 @@
         </p:nvCxnSpPr>
         <p:spPr>
           <a:xfrm>
-            <a:off x="965200" y="1312298"/>
+            <a:off x="482259" y="1348689"/>
             <a:ext cx="383683" cy="436232"/>
           </a:xfrm>
           <a:prstGeom prst="straightConnector1">
@@ -3295,7 +3295,7 @@
         </p:nvCxnSpPr>
         <p:spPr>
           <a:xfrm flipV="1">
-            <a:off x="965199" y="4002836"/>
+            <a:off x="383341" y="4018023"/>
             <a:ext cx="482601" cy="367860"/>
           </a:xfrm>
           <a:prstGeom prst="straightConnector1">

--- a/Presentation1.pptx
+++ b/Presentation1.pptx
@@ -4,8 +4,12 @@
   <p:sldMasterIdLst>
     <p:sldMasterId id="2147483648" r:id="rId1"/>
   </p:sldMasterIdLst>
+  <p:notesMasterIdLst>
+    <p:notesMasterId r:id="rId4"/>
+  </p:notesMasterIdLst>
   <p:sldIdLst>
     <p:sldId id="256" r:id="rId2"/>
+    <p:sldId id="259" r:id="rId3"/>
   </p:sldIdLst>
   <p:sldSz cx="12192000" cy="6858000"/>
   <p:notesSz cx="6858000" cy="9144000"/>
@@ -105,6 +109,356 @@
     </a:lvl9pPr>
   </p:defaultTextStyle>
 </p:presentation>
+</file>
+
+<file path=ppt/notesMasters/notesMaster1.xml><?xml version="1.0" encoding="utf-8"?>
+<p:notesMaster xmlns:a="http://schemas.openxmlformats.org/drawingml/2006/main" xmlns:r="http://schemas.openxmlformats.org/officeDocument/2006/relationships" xmlns:p="http://schemas.openxmlformats.org/presentationml/2006/main">
+  <p:cSld>
+    <p:bg>
+      <p:bgRef idx="1001">
+        <a:schemeClr val="bg1"/>
+      </p:bgRef>
+    </p:bg>
+    <p:spTree>
+      <p:nvGrpSpPr>
+        <p:cNvPr id="1" name=""/>
+        <p:cNvGrpSpPr/>
+        <p:nvPr/>
+      </p:nvGrpSpPr>
+      <p:grpSpPr>
+        <a:xfrm>
+          <a:off x="0" y="0"/>
+          <a:ext cx="0" cy="0"/>
+          <a:chOff x="0" y="0"/>
+          <a:chExt cx="0" cy="0"/>
+        </a:xfrm>
+      </p:grpSpPr>
+      <p:sp>
+        <p:nvSpPr>
+          <p:cNvPr id="2" name="Header Placeholder 1"/>
+          <p:cNvSpPr>
+            <a:spLocks noGrp="1"/>
+          </p:cNvSpPr>
+          <p:nvPr>
+            <p:ph type="hdr" sz="quarter"/>
+          </p:nvPr>
+        </p:nvSpPr>
+        <p:spPr>
+          <a:xfrm>
+            <a:off x="0" y="0"/>
+            <a:ext cx="2971800" cy="458788"/>
+          </a:xfrm>
+          <a:prstGeom prst="rect">
+            <a:avLst/>
+          </a:prstGeom>
+        </p:spPr>
+        <p:txBody>
+          <a:bodyPr vert="horz" lIns="91440" tIns="45720" rIns="91440" bIns="45720" rtlCol="0"/>
+          <a:lstStyle>
+            <a:lvl1pPr algn="l">
+              <a:defRPr sz="1200"/>
+            </a:lvl1pPr>
+          </a:lstStyle>
+          <a:p>
+            <a:endParaRPr lang="en-US"/>
+          </a:p>
+        </p:txBody>
+      </p:sp>
+      <p:sp>
+        <p:nvSpPr>
+          <p:cNvPr id="3" name="Date Placeholder 2"/>
+          <p:cNvSpPr>
+            <a:spLocks noGrp="1"/>
+          </p:cNvSpPr>
+          <p:nvPr>
+            <p:ph type="dt" idx="1"/>
+          </p:nvPr>
+        </p:nvSpPr>
+        <p:spPr>
+          <a:xfrm>
+            <a:off x="3884613" y="0"/>
+            <a:ext cx="2971800" cy="458788"/>
+          </a:xfrm>
+          <a:prstGeom prst="rect">
+            <a:avLst/>
+          </a:prstGeom>
+        </p:spPr>
+        <p:txBody>
+          <a:bodyPr vert="horz" lIns="91440" tIns="45720" rIns="91440" bIns="45720" rtlCol="0"/>
+          <a:lstStyle>
+            <a:lvl1pPr algn="r">
+              <a:defRPr sz="1200"/>
+            </a:lvl1pPr>
+          </a:lstStyle>
+          <a:p>
+            <a:fld id="{BCB7C1EF-23DA-CE4E-95B2-344CDCA031BB}" type="datetimeFigureOut">
+              <a:rPr lang="en-US" smtClean="0"/>
+              <a:t>5/26/18</a:t>
+            </a:fld>
+            <a:endParaRPr lang="en-US"/>
+          </a:p>
+        </p:txBody>
+      </p:sp>
+      <p:sp>
+        <p:nvSpPr>
+          <p:cNvPr id="4" name="Slide Image Placeholder 3"/>
+          <p:cNvSpPr>
+            <a:spLocks noGrp="1" noRot="1" noChangeAspect="1"/>
+          </p:cNvSpPr>
+          <p:nvPr>
+            <p:ph type="sldImg" idx="2"/>
+          </p:nvPr>
+        </p:nvSpPr>
+        <p:spPr>
+          <a:xfrm>
+            <a:off x="685800" y="1143000"/>
+            <a:ext cx="5486400" cy="3086100"/>
+          </a:xfrm>
+          <a:prstGeom prst="rect">
+            <a:avLst/>
+          </a:prstGeom>
+          <a:noFill/>
+          <a:ln w="12700">
+            <a:solidFill>
+              <a:prstClr val="black"/>
+            </a:solidFill>
+          </a:ln>
+        </p:spPr>
+        <p:txBody>
+          <a:bodyPr vert="horz" lIns="91440" tIns="45720" rIns="91440" bIns="45720" rtlCol="0" anchor="ctr"/>
+          <a:lstStyle/>
+          <a:p>
+            <a:endParaRPr lang="en-US"/>
+          </a:p>
+        </p:txBody>
+      </p:sp>
+      <p:sp>
+        <p:nvSpPr>
+          <p:cNvPr id="5" name="Notes Placeholder 4"/>
+          <p:cNvSpPr>
+            <a:spLocks noGrp="1"/>
+          </p:cNvSpPr>
+          <p:nvPr>
+            <p:ph type="body" sz="quarter" idx="3"/>
+          </p:nvPr>
+        </p:nvSpPr>
+        <p:spPr>
+          <a:xfrm>
+            <a:off x="685800" y="4400550"/>
+            <a:ext cx="5486400" cy="3600450"/>
+          </a:xfrm>
+          <a:prstGeom prst="rect">
+            <a:avLst/>
+          </a:prstGeom>
+        </p:spPr>
+        <p:txBody>
+          <a:bodyPr vert="horz" lIns="91440" tIns="45720" rIns="91440" bIns="45720" rtlCol="0"/>
+          <a:lstStyle/>
+          <a:p>
+            <a:pPr lvl="0"/>
+            <a:r>
+              <a:rPr lang="en-US" smtClean="0"/>
+              <a:t>Click to edit Master text styles</a:t>
+            </a:r>
+          </a:p>
+          <a:p>
+            <a:pPr lvl="1"/>
+            <a:r>
+              <a:rPr lang="en-US" smtClean="0"/>
+              <a:t>Second level</a:t>
+            </a:r>
+          </a:p>
+          <a:p>
+            <a:pPr lvl="2"/>
+            <a:r>
+              <a:rPr lang="en-US" smtClean="0"/>
+              <a:t>Third level</a:t>
+            </a:r>
+          </a:p>
+          <a:p>
+            <a:pPr lvl="3"/>
+            <a:r>
+              <a:rPr lang="en-US" smtClean="0"/>
+              <a:t>Fourth level</a:t>
+            </a:r>
+          </a:p>
+          <a:p>
+            <a:pPr lvl="4"/>
+            <a:r>
+              <a:rPr lang="en-US" smtClean="0"/>
+              <a:t>Fifth level</a:t>
+            </a:r>
+            <a:endParaRPr lang="en-US"/>
+          </a:p>
+        </p:txBody>
+      </p:sp>
+      <p:sp>
+        <p:nvSpPr>
+          <p:cNvPr id="6" name="Footer Placeholder 5"/>
+          <p:cNvSpPr>
+            <a:spLocks noGrp="1"/>
+          </p:cNvSpPr>
+          <p:nvPr>
+            <p:ph type="ftr" sz="quarter" idx="4"/>
+          </p:nvPr>
+        </p:nvSpPr>
+        <p:spPr>
+          <a:xfrm>
+            <a:off x="0" y="8685213"/>
+            <a:ext cx="2971800" cy="458787"/>
+          </a:xfrm>
+          <a:prstGeom prst="rect">
+            <a:avLst/>
+          </a:prstGeom>
+        </p:spPr>
+        <p:txBody>
+          <a:bodyPr vert="horz" lIns="91440" tIns="45720" rIns="91440" bIns="45720" rtlCol="0" anchor="b"/>
+          <a:lstStyle>
+            <a:lvl1pPr algn="l">
+              <a:defRPr sz="1200"/>
+            </a:lvl1pPr>
+          </a:lstStyle>
+          <a:p>
+            <a:endParaRPr lang="en-US"/>
+          </a:p>
+        </p:txBody>
+      </p:sp>
+      <p:sp>
+        <p:nvSpPr>
+          <p:cNvPr id="7" name="Slide Number Placeholder 6"/>
+          <p:cNvSpPr>
+            <a:spLocks noGrp="1"/>
+          </p:cNvSpPr>
+          <p:nvPr>
+            <p:ph type="sldNum" sz="quarter" idx="5"/>
+          </p:nvPr>
+        </p:nvSpPr>
+        <p:spPr>
+          <a:xfrm>
+            <a:off x="3884613" y="8685213"/>
+            <a:ext cx="2971800" cy="458787"/>
+          </a:xfrm>
+          <a:prstGeom prst="rect">
+            <a:avLst/>
+          </a:prstGeom>
+        </p:spPr>
+        <p:txBody>
+          <a:bodyPr vert="horz" lIns="91440" tIns="45720" rIns="91440" bIns="45720" rtlCol="0" anchor="b"/>
+          <a:lstStyle>
+            <a:lvl1pPr algn="r">
+              <a:defRPr sz="1200"/>
+            </a:lvl1pPr>
+          </a:lstStyle>
+          <a:p>
+            <a:fld id="{A4BF5195-1EEF-3C46-A54E-6F9D58B744D8}" type="slidenum">
+              <a:rPr lang="en-US" smtClean="0"/>
+              <a:t>‹#›</a:t>
+            </a:fld>
+            <a:endParaRPr lang="en-US"/>
+          </a:p>
+        </p:txBody>
+      </p:sp>
+    </p:spTree>
+    <p:extLst>
+      <p:ext uri="{BB962C8B-B14F-4D97-AF65-F5344CB8AC3E}">
+        <p14:creationId xmlns:p14="http://schemas.microsoft.com/office/powerpoint/2010/main" val="1655143364"/>
+      </p:ext>
+    </p:extLst>
+  </p:cSld>
+  <p:clrMap bg1="lt1" tx1="dk1" bg2="lt2" tx2="dk2" accent1="accent1" accent2="accent2" accent3="accent3" accent4="accent4" accent5="accent5" accent6="accent6" hlink="hlink" folHlink="folHlink"/>
+  <p:notesStyle>
+    <a:lvl1pPr marL="0" algn="l" defTabSz="914400" rtl="0" eaLnBrk="1" latinLnBrk="0" hangingPunct="1">
+      <a:defRPr sz="1200" kern="1200">
+        <a:solidFill>
+          <a:schemeClr val="tx1"/>
+        </a:solidFill>
+        <a:latin typeface="+mn-lt"/>
+        <a:ea typeface="+mn-ea"/>
+        <a:cs typeface="+mn-cs"/>
+      </a:defRPr>
+    </a:lvl1pPr>
+    <a:lvl2pPr marL="457200" algn="l" defTabSz="914400" rtl="0" eaLnBrk="1" latinLnBrk="0" hangingPunct="1">
+      <a:defRPr sz="1200" kern="1200">
+        <a:solidFill>
+          <a:schemeClr val="tx1"/>
+        </a:solidFill>
+        <a:latin typeface="+mn-lt"/>
+        <a:ea typeface="+mn-ea"/>
+        <a:cs typeface="+mn-cs"/>
+      </a:defRPr>
+    </a:lvl2pPr>
+    <a:lvl3pPr marL="914400" algn="l" defTabSz="914400" rtl="0" eaLnBrk="1" latinLnBrk="0" hangingPunct="1">
+      <a:defRPr sz="1200" kern="1200">
+        <a:solidFill>
+          <a:schemeClr val="tx1"/>
+        </a:solidFill>
+        <a:latin typeface="+mn-lt"/>
+        <a:ea typeface="+mn-ea"/>
+        <a:cs typeface="+mn-cs"/>
+      </a:defRPr>
+    </a:lvl3pPr>
+    <a:lvl4pPr marL="1371600" algn="l" defTabSz="914400" rtl="0" eaLnBrk="1" latinLnBrk="0" hangingPunct="1">
+      <a:defRPr sz="1200" kern="1200">
+        <a:solidFill>
+          <a:schemeClr val="tx1"/>
+        </a:solidFill>
+        <a:latin typeface="+mn-lt"/>
+        <a:ea typeface="+mn-ea"/>
+        <a:cs typeface="+mn-cs"/>
+      </a:defRPr>
+    </a:lvl4pPr>
+    <a:lvl5pPr marL="1828800" algn="l" defTabSz="914400" rtl="0" eaLnBrk="1" latinLnBrk="0" hangingPunct="1">
+      <a:defRPr sz="1200" kern="1200">
+        <a:solidFill>
+          <a:schemeClr val="tx1"/>
+        </a:solidFill>
+        <a:latin typeface="+mn-lt"/>
+        <a:ea typeface="+mn-ea"/>
+        <a:cs typeface="+mn-cs"/>
+      </a:defRPr>
+    </a:lvl5pPr>
+    <a:lvl6pPr marL="2286000" algn="l" defTabSz="914400" rtl="0" eaLnBrk="1" latinLnBrk="0" hangingPunct="1">
+      <a:defRPr sz="1200" kern="1200">
+        <a:solidFill>
+          <a:schemeClr val="tx1"/>
+        </a:solidFill>
+        <a:latin typeface="+mn-lt"/>
+        <a:ea typeface="+mn-ea"/>
+        <a:cs typeface="+mn-cs"/>
+      </a:defRPr>
+    </a:lvl6pPr>
+    <a:lvl7pPr marL="2743200" algn="l" defTabSz="914400" rtl="0" eaLnBrk="1" latinLnBrk="0" hangingPunct="1">
+      <a:defRPr sz="1200" kern="1200">
+        <a:solidFill>
+          <a:schemeClr val="tx1"/>
+        </a:solidFill>
+        <a:latin typeface="+mn-lt"/>
+        <a:ea typeface="+mn-ea"/>
+        <a:cs typeface="+mn-cs"/>
+      </a:defRPr>
+    </a:lvl7pPr>
+    <a:lvl8pPr marL="3200400" algn="l" defTabSz="914400" rtl="0" eaLnBrk="1" latinLnBrk="0" hangingPunct="1">
+      <a:defRPr sz="1200" kern="1200">
+        <a:solidFill>
+          <a:schemeClr val="tx1"/>
+        </a:solidFill>
+        <a:latin typeface="+mn-lt"/>
+        <a:ea typeface="+mn-ea"/>
+        <a:cs typeface="+mn-cs"/>
+      </a:defRPr>
+    </a:lvl8pPr>
+    <a:lvl9pPr marL="3657600" algn="l" defTabSz="914400" rtl="0" eaLnBrk="1" latinLnBrk="0" hangingPunct="1">
+      <a:defRPr sz="1200" kern="1200">
+        <a:solidFill>
+          <a:schemeClr val="tx1"/>
+        </a:solidFill>
+        <a:latin typeface="+mn-lt"/>
+        <a:ea typeface="+mn-ea"/>
+        <a:cs typeface="+mn-cs"/>
+      </a:defRPr>
+    </a:lvl9pPr>
+  </p:notesStyle>
+</p:notesMaster>
 </file>
 
 <file path=ppt/slideLayouts/slideLayout1.xml><?xml version="1.0" encoding="utf-8"?>
@@ -3878,6 +4232,1909 @@
 </p:sld>
 </file>
 
+<file path=ppt/slides/slide2.xml><?xml version="1.0" encoding="utf-8"?>
+<p:sld xmlns:a="http://schemas.openxmlformats.org/drawingml/2006/main" xmlns:r="http://schemas.openxmlformats.org/officeDocument/2006/relationships" xmlns:p="http://schemas.openxmlformats.org/presentationml/2006/main">
+  <p:cSld>
+    <p:spTree>
+      <p:nvGrpSpPr>
+        <p:cNvPr id="1" name=""/>
+        <p:cNvGrpSpPr/>
+        <p:nvPr/>
+      </p:nvGrpSpPr>
+      <p:grpSpPr>
+        <a:xfrm>
+          <a:off x="0" y="0"/>
+          <a:ext cx="0" cy="0"/>
+          <a:chOff x="0" y="0"/>
+          <a:chExt cx="0" cy="0"/>
+        </a:xfrm>
+      </p:grpSpPr>
+      <p:sp>
+        <p:nvSpPr>
+          <p:cNvPr id="7" name="Rectangle 6"/>
+          <p:cNvSpPr/>
+          <p:nvPr/>
+        </p:nvSpPr>
+        <p:spPr>
+          <a:xfrm>
+            <a:off x="3691153" y="388956"/>
+            <a:ext cx="1064536" cy="776836"/>
+          </a:xfrm>
+          <a:prstGeom prst="rect">
+            <a:avLst/>
+          </a:prstGeom>
+          <a:ln/>
+        </p:spPr>
+        <p:style>
+          <a:lnRef idx="2">
+            <a:schemeClr val="accent1">
+              <a:shade val="50000"/>
+            </a:schemeClr>
+          </a:lnRef>
+          <a:fillRef idx="1">
+            <a:schemeClr val="accent1"/>
+          </a:fillRef>
+          <a:effectRef idx="0">
+            <a:schemeClr val="accent1"/>
+          </a:effectRef>
+          <a:fontRef idx="minor">
+            <a:schemeClr val="lt1"/>
+          </a:fontRef>
+        </p:style>
+        <p:txBody>
+          <a:bodyPr rtlCol="0" anchor="ctr"/>
+          <a:lstStyle/>
+          <a:p>
+            <a:pPr algn="ctr"/>
+            <a:r>
+              <a:rPr lang="en-US" sz="1600" dirty="0" smtClean="0"/>
+              <a:t>Linear</a:t>
+            </a:r>
+          </a:p>
+          <a:p>
+            <a:pPr algn="ctr"/>
+            <a:r>
+              <a:rPr lang="en-US" sz="1600" dirty="0" smtClean="0"/>
+              <a:t>1 real plot</a:t>
+            </a:r>
+          </a:p>
+        </p:txBody>
+      </p:sp>
+      <p:sp>
+        <p:nvSpPr>
+          <p:cNvPr id="8" name="Rectangle 7"/>
+          <p:cNvSpPr/>
+          <p:nvPr/>
+        </p:nvSpPr>
+        <p:spPr>
+          <a:xfrm>
+            <a:off x="197965" y="1879646"/>
+            <a:ext cx="1057465" cy="892035"/>
+          </a:xfrm>
+          <a:prstGeom prst="rect">
+            <a:avLst/>
+          </a:prstGeom>
+        </p:spPr>
+        <p:style>
+          <a:lnRef idx="1">
+            <a:schemeClr val="accent5"/>
+          </a:lnRef>
+          <a:fillRef idx="2">
+            <a:schemeClr val="accent5"/>
+          </a:fillRef>
+          <a:effectRef idx="1">
+            <a:schemeClr val="accent5"/>
+          </a:effectRef>
+          <a:fontRef idx="minor">
+            <a:schemeClr val="dk1"/>
+          </a:fontRef>
+        </p:style>
+        <p:txBody>
+          <a:bodyPr rtlCol="0" anchor="ctr"/>
+          <a:lstStyle/>
+          <a:p>
+            <a:pPr algn="ctr"/>
+            <a:r>
+              <a:rPr lang="en-US" sz="1600" smtClean="0"/>
+              <a:t>Null plot</a:t>
+            </a:r>
+            <a:endParaRPr lang="en-US" sz="1600" dirty="0" smtClean="0"/>
+          </a:p>
+        </p:txBody>
+      </p:sp>
+      <p:sp>
+        <p:nvSpPr>
+          <p:cNvPr id="14" name="Rounded Rectangle 13"/>
+          <p:cNvSpPr/>
+          <p:nvPr/>
+        </p:nvSpPr>
+        <p:spPr>
+          <a:xfrm>
+            <a:off x="3808928" y="3020148"/>
+            <a:ext cx="945773" cy="688010"/>
+          </a:xfrm>
+          <a:prstGeom prst="roundRect">
+            <a:avLst/>
+          </a:prstGeom>
+        </p:spPr>
+        <p:style>
+          <a:lnRef idx="1">
+            <a:schemeClr val="accent5"/>
+          </a:lnRef>
+          <a:fillRef idx="2">
+            <a:schemeClr val="accent5"/>
+          </a:fillRef>
+          <a:effectRef idx="1">
+            <a:schemeClr val="accent5"/>
+          </a:effectRef>
+          <a:fontRef idx="minor">
+            <a:schemeClr val="dk1"/>
+          </a:fontRef>
+        </p:style>
+        <p:txBody>
+          <a:bodyPr rtlCol="0" anchor="ctr"/>
+          <a:lstStyle/>
+          <a:p>
+            <a:pPr algn="ctr"/>
+            <a:r>
+              <a:rPr lang="en-US" sz="1600" dirty="0" smtClean="0"/>
+              <a:t>19 Null plots</a:t>
+            </a:r>
+          </a:p>
+        </p:txBody>
+      </p:sp>
+      <p:sp>
+        <p:nvSpPr>
+          <p:cNvPr id="23" name="Rectangle 22"/>
+          <p:cNvSpPr/>
+          <p:nvPr/>
+        </p:nvSpPr>
+        <p:spPr>
+          <a:xfrm>
+            <a:off x="1261097" y="1879645"/>
+            <a:ext cx="1057465" cy="892035"/>
+          </a:xfrm>
+          <a:prstGeom prst="rect">
+            <a:avLst/>
+          </a:prstGeom>
+        </p:spPr>
+        <p:style>
+          <a:lnRef idx="1">
+            <a:schemeClr val="accent5"/>
+          </a:lnRef>
+          <a:fillRef idx="2">
+            <a:schemeClr val="accent5"/>
+          </a:fillRef>
+          <a:effectRef idx="1">
+            <a:schemeClr val="accent5"/>
+          </a:effectRef>
+          <a:fontRef idx="minor">
+            <a:schemeClr val="dk1"/>
+          </a:fontRef>
+        </p:style>
+        <p:txBody>
+          <a:bodyPr rtlCol="0" anchor="ctr"/>
+          <a:lstStyle/>
+          <a:p>
+            <a:pPr algn="ctr"/>
+            <a:r>
+              <a:rPr lang="en-US" sz="1600" smtClean="0"/>
+              <a:t>Null plot</a:t>
+            </a:r>
+            <a:endParaRPr lang="en-US" sz="1600" dirty="0" smtClean="0"/>
+          </a:p>
+        </p:txBody>
+      </p:sp>
+      <p:sp>
+        <p:nvSpPr>
+          <p:cNvPr id="24" name="Rectangle 23"/>
+          <p:cNvSpPr/>
+          <p:nvPr/>
+        </p:nvSpPr>
+        <p:spPr>
+          <a:xfrm>
+            <a:off x="2313873" y="1875367"/>
+            <a:ext cx="1057465" cy="892035"/>
+          </a:xfrm>
+          <a:prstGeom prst="rect">
+            <a:avLst/>
+          </a:prstGeom>
+        </p:spPr>
+        <p:style>
+          <a:lnRef idx="1">
+            <a:schemeClr val="accent5"/>
+          </a:lnRef>
+          <a:fillRef idx="2">
+            <a:schemeClr val="accent5"/>
+          </a:fillRef>
+          <a:effectRef idx="1">
+            <a:schemeClr val="accent5"/>
+          </a:effectRef>
+          <a:fontRef idx="minor">
+            <a:schemeClr val="dk1"/>
+          </a:fontRef>
+        </p:style>
+        <p:txBody>
+          <a:bodyPr rtlCol="0" anchor="ctr"/>
+          <a:lstStyle/>
+          <a:p>
+            <a:pPr algn="ctr"/>
+            <a:r>
+              <a:rPr lang="en-US" sz="1600" smtClean="0"/>
+              <a:t>Null plot</a:t>
+            </a:r>
+            <a:endParaRPr lang="en-US" sz="1600" dirty="0" smtClean="0"/>
+          </a:p>
+        </p:txBody>
+      </p:sp>
+      <p:sp>
+        <p:nvSpPr>
+          <p:cNvPr id="25" name="Rectangle 24"/>
+          <p:cNvSpPr/>
+          <p:nvPr/>
+        </p:nvSpPr>
+        <p:spPr>
+          <a:xfrm>
+            <a:off x="197965" y="2912847"/>
+            <a:ext cx="1057465" cy="892035"/>
+          </a:xfrm>
+          <a:prstGeom prst="rect">
+            <a:avLst/>
+          </a:prstGeom>
+        </p:spPr>
+        <p:style>
+          <a:lnRef idx="1">
+            <a:schemeClr val="accent5"/>
+          </a:lnRef>
+          <a:fillRef idx="2">
+            <a:schemeClr val="accent5"/>
+          </a:fillRef>
+          <a:effectRef idx="1">
+            <a:schemeClr val="accent5"/>
+          </a:effectRef>
+          <a:fontRef idx="minor">
+            <a:schemeClr val="dk1"/>
+          </a:fontRef>
+        </p:style>
+        <p:txBody>
+          <a:bodyPr rtlCol="0" anchor="ctr"/>
+          <a:lstStyle/>
+          <a:p>
+            <a:pPr algn="ctr"/>
+            <a:r>
+              <a:rPr lang="en-US" sz="1600" smtClean="0"/>
+              <a:t>Null plot</a:t>
+            </a:r>
+            <a:endParaRPr lang="en-US" sz="1600" dirty="0" smtClean="0"/>
+          </a:p>
+        </p:txBody>
+      </p:sp>
+      <p:sp>
+        <p:nvSpPr>
+          <p:cNvPr id="26" name="Rectangle 25"/>
+          <p:cNvSpPr/>
+          <p:nvPr/>
+        </p:nvSpPr>
+        <p:spPr>
+          <a:xfrm>
+            <a:off x="1251142" y="2912847"/>
+            <a:ext cx="1057465" cy="892035"/>
+          </a:xfrm>
+          <a:prstGeom prst="rect">
+            <a:avLst/>
+          </a:prstGeom>
+        </p:spPr>
+        <p:style>
+          <a:lnRef idx="1">
+            <a:schemeClr val="accent5"/>
+          </a:lnRef>
+          <a:fillRef idx="2">
+            <a:schemeClr val="accent5"/>
+          </a:fillRef>
+          <a:effectRef idx="1">
+            <a:schemeClr val="accent5"/>
+          </a:effectRef>
+          <a:fontRef idx="minor">
+            <a:schemeClr val="dk1"/>
+          </a:fontRef>
+        </p:style>
+        <p:txBody>
+          <a:bodyPr rtlCol="0" anchor="ctr"/>
+          <a:lstStyle/>
+          <a:p>
+            <a:pPr algn="ctr"/>
+            <a:r>
+              <a:rPr lang="mr-IN" sz="1600" dirty="0" smtClean="0"/>
+              <a:t>……</a:t>
+            </a:r>
+            <a:endParaRPr lang="en-US" sz="1600" dirty="0" smtClean="0"/>
+          </a:p>
+        </p:txBody>
+      </p:sp>
+      <p:sp>
+        <p:nvSpPr>
+          <p:cNvPr id="27" name="Rectangle 26"/>
+          <p:cNvSpPr/>
+          <p:nvPr/>
+        </p:nvSpPr>
+        <p:spPr>
+          <a:xfrm>
+            <a:off x="2314495" y="2918136"/>
+            <a:ext cx="1057465" cy="892035"/>
+          </a:xfrm>
+          <a:prstGeom prst="rect">
+            <a:avLst/>
+          </a:prstGeom>
+        </p:spPr>
+        <p:style>
+          <a:lnRef idx="1">
+            <a:schemeClr val="accent5"/>
+          </a:lnRef>
+          <a:fillRef idx="2">
+            <a:schemeClr val="accent5"/>
+          </a:fillRef>
+          <a:effectRef idx="1">
+            <a:schemeClr val="accent5"/>
+          </a:effectRef>
+          <a:fontRef idx="minor">
+            <a:schemeClr val="dk1"/>
+          </a:fontRef>
+        </p:style>
+        <p:txBody>
+          <a:bodyPr rtlCol="0" anchor="ctr"/>
+          <a:lstStyle/>
+          <a:p>
+            <a:pPr algn="ctr"/>
+            <a:r>
+              <a:rPr lang="en-US" sz="1600" smtClean="0"/>
+              <a:t>Null plot</a:t>
+            </a:r>
+            <a:endParaRPr lang="en-US" sz="1600" dirty="0" smtClean="0"/>
+          </a:p>
+        </p:txBody>
+      </p:sp>
+      <p:sp>
+        <p:nvSpPr>
+          <p:cNvPr id="28" name="Rectangle 27"/>
+          <p:cNvSpPr/>
+          <p:nvPr/>
+        </p:nvSpPr>
+        <p:spPr>
+          <a:xfrm>
+            <a:off x="197964" y="3948883"/>
+            <a:ext cx="1057465" cy="892035"/>
+          </a:xfrm>
+          <a:prstGeom prst="rect">
+            <a:avLst/>
+          </a:prstGeom>
+        </p:spPr>
+        <p:style>
+          <a:lnRef idx="1">
+            <a:schemeClr val="accent5"/>
+          </a:lnRef>
+          <a:fillRef idx="2">
+            <a:schemeClr val="accent5"/>
+          </a:fillRef>
+          <a:effectRef idx="1">
+            <a:schemeClr val="accent5"/>
+          </a:effectRef>
+          <a:fontRef idx="minor">
+            <a:schemeClr val="dk1"/>
+          </a:fontRef>
+        </p:style>
+        <p:txBody>
+          <a:bodyPr rtlCol="0" anchor="ctr"/>
+          <a:lstStyle/>
+          <a:p>
+            <a:pPr algn="ctr"/>
+            <a:r>
+              <a:rPr lang="en-US" sz="1600" smtClean="0"/>
+              <a:t>Null plot</a:t>
+            </a:r>
+            <a:endParaRPr lang="en-US" sz="1600" dirty="0" smtClean="0"/>
+          </a:p>
+        </p:txBody>
+      </p:sp>
+      <p:sp>
+        <p:nvSpPr>
+          <p:cNvPr id="31" name="Rectangle 30"/>
+          <p:cNvSpPr/>
+          <p:nvPr/>
+        </p:nvSpPr>
+        <p:spPr>
+          <a:xfrm>
+            <a:off x="1261938" y="3942672"/>
+            <a:ext cx="1057465" cy="892035"/>
+          </a:xfrm>
+          <a:prstGeom prst="rect">
+            <a:avLst/>
+          </a:prstGeom>
+        </p:spPr>
+        <p:style>
+          <a:lnRef idx="1">
+            <a:schemeClr val="accent5"/>
+          </a:lnRef>
+          <a:fillRef idx="2">
+            <a:schemeClr val="accent5"/>
+          </a:fillRef>
+          <a:effectRef idx="1">
+            <a:schemeClr val="accent5"/>
+          </a:effectRef>
+          <a:fontRef idx="minor">
+            <a:schemeClr val="dk1"/>
+          </a:fontRef>
+        </p:style>
+        <p:txBody>
+          <a:bodyPr rtlCol="0" anchor="ctr"/>
+          <a:lstStyle/>
+          <a:p>
+            <a:pPr algn="ctr"/>
+            <a:r>
+              <a:rPr lang="en-US" sz="1600" smtClean="0"/>
+              <a:t>Null plot</a:t>
+            </a:r>
+            <a:endParaRPr lang="en-US" sz="1600" dirty="0" smtClean="0"/>
+          </a:p>
+        </p:txBody>
+      </p:sp>
+      <p:sp>
+        <p:nvSpPr>
+          <p:cNvPr id="32" name="Rectangle 31"/>
+          <p:cNvSpPr/>
+          <p:nvPr/>
+        </p:nvSpPr>
+        <p:spPr>
+          <a:xfrm>
+            <a:off x="2325912" y="3942672"/>
+            <a:ext cx="1057465" cy="892035"/>
+          </a:xfrm>
+          <a:prstGeom prst="rect">
+            <a:avLst/>
+          </a:prstGeom>
+        </p:spPr>
+        <p:style>
+          <a:lnRef idx="1">
+            <a:schemeClr val="accent5"/>
+          </a:lnRef>
+          <a:fillRef idx="2">
+            <a:schemeClr val="accent5"/>
+          </a:fillRef>
+          <a:effectRef idx="1">
+            <a:schemeClr val="accent5"/>
+          </a:effectRef>
+          <a:fontRef idx="minor">
+            <a:schemeClr val="dk1"/>
+          </a:fontRef>
+        </p:style>
+        <p:txBody>
+          <a:bodyPr rtlCol="0" anchor="ctr"/>
+          <a:lstStyle/>
+          <a:p>
+            <a:pPr algn="ctr"/>
+            <a:r>
+              <a:rPr lang="en-US" sz="1600" dirty="0" smtClean="0"/>
+              <a:t>Null plot</a:t>
+            </a:r>
+          </a:p>
+        </p:txBody>
+      </p:sp>
+      <p:sp>
+        <p:nvSpPr>
+          <p:cNvPr id="4" name="Right Brace 3"/>
+          <p:cNvSpPr/>
+          <p:nvPr/>
+        </p:nvSpPr>
+        <p:spPr>
+          <a:xfrm>
+            <a:off x="3382007" y="2116553"/>
+            <a:ext cx="460501" cy="2520045"/>
+          </a:xfrm>
+          <a:prstGeom prst="rightBrace">
+            <a:avLst/>
+          </a:prstGeom>
+          <a:solidFill>
+            <a:schemeClr val="bg1"/>
+          </a:solidFill>
+          <a:ln w="19050"/>
+        </p:spPr>
+        <p:style>
+          <a:lnRef idx="1">
+            <a:schemeClr val="accent1"/>
+          </a:lnRef>
+          <a:fillRef idx="0">
+            <a:schemeClr val="accent1"/>
+          </a:fillRef>
+          <a:effectRef idx="0">
+            <a:schemeClr val="accent1"/>
+          </a:effectRef>
+          <a:fontRef idx="minor">
+            <a:schemeClr val="tx1"/>
+          </a:fontRef>
+        </p:style>
+        <p:txBody>
+          <a:bodyPr rtlCol="0" anchor="ctr"/>
+          <a:lstStyle/>
+          <a:p>
+            <a:pPr algn="ctr"/>
+            <a:endParaRPr lang="en-US"/>
+          </a:p>
+        </p:txBody>
+      </p:sp>
+      <p:sp>
+        <p:nvSpPr>
+          <p:cNvPr id="36" name="Rectangle 35"/>
+          <p:cNvSpPr/>
+          <p:nvPr/>
+        </p:nvSpPr>
+        <p:spPr>
+          <a:xfrm>
+            <a:off x="1743095" y="428235"/>
+            <a:ext cx="1150933" cy="662536"/>
+          </a:xfrm>
+          <a:prstGeom prst="rect">
+            <a:avLst/>
+          </a:prstGeom>
+          <a:ln/>
+        </p:spPr>
+        <p:style>
+          <a:lnRef idx="2">
+            <a:schemeClr val="accent1">
+              <a:shade val="50000"/>
+            </a:schemeClr>
+          </a:lnRef>
+          <a:fillRef idx="1">
+            <a:schemeClr val="accent1"/>
+          </a:fillRef>
+          <a:effectRef idx="0">
+            <a:schemeClr val="accent1"/>
+          </a:effectRef>
+          <a:fontRef idx="minor">
+            <a:schemeClr val="lt1"/>
+          </a:fontRef>
+        </p:style>
+        <p:txBody>
+          <a:bodyPr rtlCol="0" anchor="ctr"/>
+          <a:lstStyle/>
+          <a:p>
+            <a:pPr algn="ctr"/>
+            <a:r>
+              <a:rPr lang="en-US" sz="1600" dirty="0" smtClean="0"/>
+              <a:t>Linear</a:t>
+            </a:r>
+          </a:p>
+          <a:p>
+            <a:pPr algn="ctr"/>
+            <a:r>
+              <a:rPr lang="en-US" sz="1600" dirty="0" smtClean="0"/>
+              <a:t>Simulation</a:t>
+            </a:r>
+          </a:p>
+        </p:txBody>
+      </p:sp>
+      <p:sp>
+        <p:nvSpPr>
+          <p:cNvPr id="38" name="Rectangle 37"/>
+          <p:cNvSpPr/>
+          <p:nvPr/>
+        </p:nvSpPr>
+        <p:spPr>
+          <a:xfrm>
+            <a:off x="1427257" y="5538777"/>
+            <a:ext cx="1064868" cy="701706"/>
+          </a:xfrm>
+          <a:prstGeom prst="rect">
+            <a:avLst/>
+          </a:prstGeom>
+        </p:spPr>
+        <p:style>
+          <a:lnRef idx="1">
+            <a:schemeClr val="accent5"/>
+          </a:lnRef>
+          <a:fillRef idx="2">
+            <a:schemeClr val="accent5"/>
+          </a:fillRef>
+          <a:effectRef idx="1">
+            <a:schemeClr val="accent5"/>
+          </a:effectRef>
+          <a:fontRef idx="minor">
+            <a:schemeClr val="dk1"/>
+          </a:fontRef>
+        </p:style>
+        <p:txBody>
+          <a:bodyPr rtlCol="0" anchor="ctr"/>
+          <a:lstStyle/>
+          <a:p>
+            <a:pPr algn="ctr"/>
+            <a:r>
+              <a:rPr lang="en-US" sz="1600" dirty="0" smtClean="0"/>
+              <a:t>Null</a:t>
+            </a:r>
+          </a:p>
+          <a:p>
+            <a:pPr algn="ctr"/>
+            <a:r>
+              <a:rPr lang="en-US" sz="1600" dirty="0" smtClean="0"/>
+              <a:t>Simulation</a:t>
+            </a:r>
+          </a:p>
+        </p:txBody>
+      </p:sp>
+      <p:sp>
+        <p:nvSpPr>
+          <p:cNvPr id="9" name="Up Arrow 8"/>
+          <p:cNvSpPr/>
+          <p:nvPr/>
+        </p:nvSpPr>
+        <p:spPr>
+          <a:xfrm>
+            <a:off x="1767683" y="4834707"/>
+            <a:ext cx="442117" cy="704070"/>
+          </a:xfrm>
+          <a:prstGeom prst="upArrow">
+            <a:avLst/>
+          </a:prstGeom>
+        </p:spPr>
+        <p:style>
+          <a:lnRef idx="1">
+            <a:schemeClr val="accent5"/>
+          </a:lnRef>
+          <a:fillRef idx="2">
+            <a:schemeClr val="accent5"/>
+          </a:fillRef>
+          <a:effectRef idx="1">
+            <a:schemeClr val="accent5"/>
+          </a:effectRef>
+          <a:fontRef idx="minor">
+            <a:schemeClr val="dk1"/>
+          </a:fontRef>
+        </p:style>
+        <p:txBody>
+          <a:bodyPr rtlCol="0" anchor="ctr"/>
+          <a:lstStyle/>
+          <a:p>
+            <a:pPr algn="ctr"/>
+            <a:endParaRPr lang="en-US"/>
+          </a:p>
+        </p:txBody>
+      </p:sp>
+      <p:sp>
+        <p:nvSpPr>
+          <p:cNvPr id="11" name="Right Arrow 10"/>
+          <p:cNvSpPr/>
+          <p:nvPr/>
+        </p:nvSpPr>
+        <p:spPr>
+          <a:xfrm>
+            <a:off x="2913169" y="572036"/>
+            <a:ext cx="768040" cy="388418"/>
+          </a:xfrm>
+          <a:prstGeom prst="rightArrow">
+            <a:avLst/>
+          </a:prstGeom>
+        </p:spPr>
+        <p:style>
+          <a:lnRef idx="2">
+            <a:schemeClr val="accent1">
+              <a:shade val="50000"/>
+            </a:schemeClr>
+          </a:lnRef>
+          <a:fillRef idx="1">
+            <a:schemeClr val="accent1"/>
+          </a:fillRef>
+          <a:effectRef idx="0">
+            <a:schemeClr val="accent1"/>
+          </a:effectRef>
+          <a:fontRef idx="minor">
+            <a:schemeClr val="lt1"/>
+          </a:fontRef>
+        </p:style>
+        <p:txBody>
+          <a:bodyPr rtlCol="0" anchor="ctr"/>
+          <a:lstStyle/>
+          <a:p>
+            <a:pPr algn="ctr"/>
+            <a:endParaRPr lang="en-US"/>
+          </a:p>
+        </p:txBody>
+      </p:sp>
+      <p:graphicFrame>
+        <p:nvGraphicFramePr>
+          <p:cNvPr id="33" name="Table 32"/>
+          <p:cNvGraphicFramePr>
+            <a:graphicFrameLocks noGrp="1"/>
+          </p:cNvGraphicFramePr>
+          <p:nvPr>
+            <p:extLst>
+              <p:ext uri="{D42A27DB-BD31-4B8C-83A1-F6EECF244321}">
+                <p14:modId xmlns:p14="http://schemas.microsoft.com/office/powerpoint/2010/main" val="1191179677"/>
+              </p:ext>
+            </p:extLst>
+          </p:nvPr>
+        </p:nvGraphicFramePr>
+        <p:xfrm>
+          <a:off x="5358007" y="1587876"/>
+          <a:ext cx="986559" cy="1097280"/>
+        </p:xfrm>
+        <a:graphic>
+          <a:graphicData uri="http://schemas.openxmlformats.org/drawingml/2006/table">
+            <a:tbl>
+              <a:tblPr firstRow="1" bandRow="1">
+                <a:tableStyleId>{5C22544A-7EE6-4342-B048-85BDC9FD1C3A}</a:tableStyleId>
+              </a:tblPr>
+              <a:tblGrid>
+                <a:gridCol w="328853"/>
+                <a:gridCol w="328853"/>
+                <a:gridCol w="328853"/>
+              </a:tblGrid>
+              <a:tr h="343629">
+                <a:tc>
+                  <a:txBody>
+                    <a:bodyPr/>
+                    <a:lstStyle/>
+                    <a:p>
+                      <a:endParaRPr lang="en-US" dirty="0"/>
+                    </a:p>
+                  </a:txBody>
+                  <a:tcPr>
+                    <a:solidFill>
+                      <a:schemeClr val="accent5">
+                        <a:lumMod val="40000"/>
+                        <a:lumOff val="60000"/>
+                      </a:schemeClr>
+                    </a:solidFill>
+                  </a:tcPr>
+                </a:tc>
+                <a:tc>
+                  <a:txBody>
+                    <a:bodyPr/>
+                    <a:lstStyle/>
+                    <a:p>
+                      <a:endParaRPr lang="en-US" dirty="0"/>
+                    </a:p>
+                  </a:txBody>
+                  <a:tcPr>
+                    <a:solidFill>
+                      <a:schemeClr val="accent1"/>
+                    </a:solidFill>
+                  </a:tcPr>
+                </a:tc>
+                <a:tc>
+                  <a:txBody>
+                    <a:bodyPr/>
+                    <a:lstStyle/>
+                    <a:p>
+                      <a:endParaRPr lang="en-US"/>
+                    </a:p>
+                  </a:txBody>
+                  <a:tcPr>
+                    <a:solidFill>
+                      <a:schemeClr val="accent5">
+                        <a:lumMod val="40000"/>
+                        <a:lumOff val="60000"/>
+                      </a:schemeClr>
+                    </a:solidFill>
+                  </a:tcPr>
+                </a:tc>
+              </a:tr>
+              <a:tr h="343629">
+                <a:tc gridSpan="3">
+                  <a:txBody>
+                    <a:bodyPr/>
+                    <a:lstStyle/>
+                    <a:p>
+                      <a:r>
+                        <a:rPr lang="en-US" dirty="0" smtClean="0"/>
+                        <a:t>Lineup</a:t>
+                      </a:r>
+                      <a:endParaRPr lang="en-US" dirty="0"/>
+                    </a:p>
+                  </a:txBody>
+                  <a:tcPr>
+                    <a:solidFill>
+                      <a:schemeClr val="accent5">
+                        <a:lumMod val="40000"/>
+                        <a:lumOff val="60000"/>
+                      </a:schemeClr>
+                    </a:solidFill>
+                  </a:tcPr>
+                </a:tc>
+                <a:tc hMerge="1">
+                  <a:txBody>
+                    <a:bodyPr/>
+                    <a:lstStyle/>
+                    <a:p>
+                      <a:endParaRPr lang="en-US" dirty="0"/>
+                    </a:p>
+                  </a:txBody>
+                  <a:tcPr>
+                    <a:solidFill>
+                      <a:schemeClr val="accent5">
+                        <a:lumMod val="20000"/>
+                        <a:lumOff val="80000"/>
+                      </a:schemeClr>
+                    </a:solidFill>
+                  </a:tcPr>
+                </a:tc>
+                <a:tc hMerge="1">
+                  <a:txBody>
+                    <a:bodyPr/>
+                    <a:lstStyle/>
+                    <a:p>
+                      <a:endParaRPr lang="en-US" dirty="0"/>
+                    </a:p>
+                  </a:txBody>
+                  <a:tcPr>
+                    <a:solidFill>
+                      <a:schemeClr val="accent5">
+                        <a:lumMod val="20000"/>
+                        <a:lumOff val="80000"/>
+                      </a:schemeClr>
+                    </a:solidFill>
+                  </a:tcPr>
+                </a:tc>
+              </a:tr>
+              <a:tr h="343629">
+                <a:tc>
+                  <a:txBody>
+                    <a:bodyPr/>
+                    <a:lstStyle/>
+                    <a:p>
+                      <a:endParaRPr lang="en-US"/>
+                    </a:p>
+                  </a:txBody>
+                  <a:tcPr>
+                    <a:solidFill>
+                      <a:schemeClr val="accent5">
+                        <a:lumMod val="40000"/>
+                        <a:lumOff val="60000"/>
+                      </a:schemeClr>
+                    </a:solidFill>
+                  </a:tcPr>
+                </a:tc>
+                <a:tc>
+                  <a:txBody>
+                    <a:bodyPr/>
+                    <a:lstStyle/>
+                    <a:p>
+                      <a:endParaRPr lang="en-US"/>
+                    </a:p>
+                  </a:txBody>
+                  <a:tcPr>
+                    <a:solidFill>
+                      <a:schemeClr val="accent5">
+                        <a:lumMod val="40000"/>
+                        <a:lumOff val="60000"/>
+                      </a:schemeClr>
+                    </a:solidFill>
+                  </a:tcPr>
+                </a:tc>
+                <a:tc>
+                  <a:txBody>
+                    <a:bodyPr/>
+                    <a:lstStyle/>
+                    <a:p>
+                      <a:endParaRPr lang="en-US" dirty="0"/>
+                    </a:p>
+                  </a:txBody>
+                  <a:tcPr>
+                    <a:solidFill>
+                      <a:schemeClr val="accent5">
+                        <a:lumMod val="40000"/>
+                        <a:lumOff val="60000"/>
+                      </a:schemeClr>
+                    </a:solidFill>
+                  </a:tcPr>
+                </a:tc>
+              </a:tr>
+            </a:tbl>
+          </a:graphicData>
+        </a:graphic>
+      </p:graphicFrame>
+      <p:cxnSp>
+        <p:nvCxnSpPr>
+          <p:cNvPr id="35" name="Curved Connector 34"/>
+          <p:cNvCxnSpPr/>
+          <p:nvPr/>
+        </p:nvCxnSpPr>
+        <p:spPr>
+          <a:xfrm>
+            <a:off x="4777703" y="730084"/>
+            <a:ext cx="1160608" cy="804746"/>
+          </a:xfrm>
+          <a:prstGeom prst="curvedConnector3">
+            <a:avLst>
+              <a:gd name="adj1" fmla="val 50000"/>
+            </a:avLst>
+          </a:prstGeom>
+          <a:ln>
+            <a:tailEnd type="triangle"/>
+          </a:ln>
+        </p:spPr>
+        <p:style>
+          <a:lnRef idx="1">
+            <a:schemeClr val="accent1"/>
+          </a:lnRef>
+          <a:fillRef idx="0">
+            <a:schemeClr val="accent1"/>
+          </a:fillRef>
+          <a:effectRef idx="0">
+            <a:schemeClr val="accent1"/>
+          </a:effectRef>
+          <a:fontRef idx="minor">
+            <a:schemeClr val="tx1"/>
+          </a:fontRef>
+        </p:style>
+      </p:cxnSp>
+      <p:sp>
+        <p:nvSpPr>
+          <p:cNvPr id="45" name="TextBox 44"/>
+          <p:cNvSpPr txBox="1"/>
+          <p:nvPr/>
+        </p:nvSpPr>
+        <p:spPr>
+          <a:xfrm>
+            <a:off x="5164841" y="472499"/>
+            <a:ext cx="826358" cy="523220"/>
+          </a:xfrm>
+          <a:prstGeom prst="rect">
+            <a:avLst/>
+          </a:prstGeom>
+          <a:noFill/>
+        </p:spPr>
+        <p:txBody>
+          <a:bodyPr wrap="square" rtlCol="0">
+            <a:spAutoFit/>
+          </a:bodyPr>
+          <a:lstStyle/>
+          <a:p>
+            <a:r>
+              <a:rPr lang="en-US" sz="1400" dirty="0" smtClean="0"/>
+              <a:t>Random</a:t>
+            </a:r>
+          </a:p>
+          <a:p>
+            <a:r>
+              <a:rPr lang="en-US" sz="1400" dirty="0" smtClean="0"/>
+              <a:t>position</a:t>
+            </a:r>
+            <a:endParaRPr lang="en-US" sz="1400" dirty="0"/>
+          </a:p>
+        </p:txBody>
+      </p:sp>
+      <p:cxnSp>
+        <p:nvCxnSpPr>
+          <p:cNvPr id="47" name="Curved Connector 46"/>
+          <p:cNvCxnSpPr>
+            <a:stCxn id="14" idx="3"/>
+          </p:cNvCxnSpPr>
+          <p:nvPr/>
+        </p:nvCxnSpPr>
+        <p:spPr>
+          <a:xfrm flipV="1">
+            <a:off x="4754701" y="2771680"/>
+            <a:ext cx="831587" cy="592473"/>
+          </a:xfrm>
+          <a:prstGeom prst="curvedConnector3">
+            <a:avLst>
+              <a:gd name="adj1" fmla="val 50000"/>
+            </a:avLst>
+          </a:prstGeom>
+          <a:ln>
+            <a:tailEnd type="triangle"/>
+          </a:ln>
+        </p:spPr>
+        <p:style>
+          <a:lnRef idx="1">
+            <a:schemeClr val="accent1"/>
+          </a:lnRef>
+          <a:fillRef idx="0">
+            <a:schemeClr val="accent1"/>
+          </a:fillRef>
+          <a:effectRef idx="0">
+            <a:schemeClr val="accent1"/>
+          </a:effectRef>
+          <a:fontRef idx="minor">
+            <a:schemeClr val="tx1"/>
+          </a:fontRef>
+        </p:style>
+      </p:cxnSp>
+      <p:cxnSp>
+        <p:nvCxnSpPr>
+          <p:cNvPr id="54" name="Straight Arrow Connector 53"/>
+          <p:cNvCxnSpPr/>
+          <p:nvPr/>
+        </p:nvCxnSpPr>
+        <p:spPr>
+          <a:xfrm flipV="1">
+            <a:off x="6359653" y="1279845"/>
+            <a:ext cx="702325" cy="669709"/>
+          </a:xfrm>
+          <a:prstGeom prst="straightConnector1">
+            <a:avLst/>
+          </a:prstGeom>
+          <a:ln>
+            <a:tailEnd type="triangle"/>
+          </a:ln>
+        </p:spPr>
+        <p:style>
+          <a:lnRef idx="1">
+            <a:schemeClr val="accent1"/>
+          </a:lnRef>
+          <a:fillRef idx="0">
+            <a:schemeClr val="accent1"/>
+          </a:fillRef>
+          <a:effectRef idx="0">
+            <a:schemeClr val="accent1"/>
+          </a:effectRef>
+          <a:fontRef idx="minor">
+            <a:schemeClr val="tx1"/>
+          </a:fontRef>
+        </p:style>
+      </p:cxnSp>
+      <p:cxnSp>
+        <p:nvCxnSpPr>
+          <p:cNvPr id="56" name="Straight Arrow Connector 55"/>
+          <p:cNvCxnSpPr/>
+          <p:nvPr/>
+        </p:nvCxnSpPr>
+        <p:spPr>
+          <a:xfrm flipV="1">
+            <a:off x="6323277" y="2163213"/>
+            <a:ext cx="673100" cy="7620"/>
+          </a:xfrm>
+          <a:prstGeom prst="straightConnector1">
+            <a:avLst/>
+          </a:prstGeom>
+          <a:ln>
+            <a:tailEnd type="triangle"/>
+          </a:ln>
+        </p:spPr>
+        <p:style>
+          <a:lnRef idx="1">
+            <a:schemeClr val="accent1"/>
+          </a:lnRef>
+          <a:fillRef idx="0">
+            <a:schemeClr val="accent1"/>
+          </a:fillRef>
+          <a:effectRef idx="0">
+            <a:schemeClr val="accent1"/>
+          </a:effectRef>
+          <a:fontRef idx="minor">
+            <a:schemeClr val="tx1"/>
+          </a:fontRef>
+        </p:style>
+      </p:cxnSp>
+      <p:cxnSp>
+        <p:nvCxnSpPr>
+          <p:cNvPr id="58" name="Straight Arrow Connector 57"/>
+          <p:cNvCxnSpPr/>
+          <p:nvPr/>
+        </p:nvCxnSpPr>
+        <p:spPr>
+          <a:xfrm>
+            <a:off x="6449699" y="2449362"/>
+            <a:ext cx="610861" cy="848896"/>
+          </a:xfrm>
+          <a:prstGeom prst="straightConnector1">
+            <a:avLst/>
+          </a:prstGeom>
+          <a:ln>
+            <a:tailEnd type="triangle"/>
+          </a:ln>
+        </p:spPr>
+        <p:style>
+          <a:lnRef idx="1">
+            <a:schemeClr val="accent1"/>
+          </a:lnRef>
+          <a:fillRef idx="0">
+            <a:schemeClr val="accent1"/>
+          </a:fillRef>
+          <a:effectRef idx="0">
+            <a:schemeClr val="accent1"/>
+          </a:effectRef>
+          <a:fontRef idx="minor">
+            <a:schemeClr val="tx1"/>
+          </a:fontRef>
+        </p:style>
+      </p:cxnSp>
+      <p:sp>
+        <p:nvSpPr>
+          <p:cNvPr id="59" name="Oval 58"/>
+          <p:cNvSpPr/>
+          <p:nvPr/>
+        </p:nvSpPr>
+        <p:spPr>
+          <a:xfrm>
+            <a:off x="7115037" y="947515"/>
+            <a:ext cx="977900" cy="470325"/>
+          </a:xfrm>
+          <a:prstGeom prst="ellipse">
+            <a:avLst/>
+          </a:prstGeom>
+        </p:spPr>
+        <p:style>
+          <a:lnRef idx="1">
+            <a:schemeClr val="accent4"/>
+          </a:lnRef>
+          <a:fillRef idx="2">
+            <a:schemeClr val="accent4"/>
+          </a:fillRef>
+          <a:effectRef idx="1">
+            <a:schemeClr val="accent4"/>
+          </a:effectRef>
+          <a:fontRef idx="minor">
+            <a:schemeClr val="dk1"/>
+          </a:fontRef>
+        </p:style>
+        <p:txBody>
+          <a:bodyPr rtlCol="0" anchor="ctr"/>
+          <a:lstStyle/>
+          <a:p>
+            <a:pPr algn="ctr"/>
+            <a:r>
+              <a:rPr lang="en-US" sz="1200" smtClean="0"/>
+              <a:t>Human</a:t>
+            </a:r>
+          </a:p>
+        </p:txBody>
+      </p:sp>
+      <p:sp>
+        <p:nvSpPr>
+          <p:cNvPr id="60" name="Oval 59"/>
+          <p:cNvSpPr/>
+          <p:nvPr/>
+        </p:nvSpPr>
+        <p:spPr>
+          <a:xfrm>
+            <a:off x="7140582" y="1901354"/>
+            <a:ext cx="977900" cy="470325"/>
+          </a:xfrm>
+          <a:prstGeom prst="ellipse">
+            <a:avLst/>
+          </a:prstGeom>
+        </p:spPr>
+        <p:style>
+          <a:lnRef idx="1">
+            <a:schemeClr val="accent4"/>
+          </a:lnRef>
+          <a:fillRef idx="2">
+            <a:schemeClr val="accent4"/>
+          </a:fillRef>
+          <a:effectRef idx="1">
+            <a:schemeClr val="accent4"/>
+          </a:effectRef>
+          <a:fontRef idx="minor">
+            <a:schemeClr val="dk1"/>
+          </a:fontRef>
+        </p:style>
+        <p:txBody>
+          <a:bodyPr rtlCol="0" anchor="ctr"/>
+          <a:lstStyle/>
+          <a:p>
+            <a:pPr algn="ctr"/>
+            <a:r>
+              <a:rPr lang="en-US" sz="1200" smtClean="0"/>
+              <a:t>Human</a:t>
+            </a:r>
+          </a:p>
+        </p:txBody>
+      </p:sp>
+      <p:sp>
+        <p:nvSpPr>
+          <p:cNvPr id="61" name="Oval 60"/>
+          <p:cNvSpPr/>
+          <p:nvPr/>
+        </p:nvSpPr>
+        <p:spPr>
+          <a:xfrm>
+            <a:off x="7140582" y="3063095"/>
+            <a:ext cx="977900" cy="470325"/>
+          </a:xfrm>
+          <a:prstGeom prst="ellipse">
+            <a:avLst/>
+          </a:prstGeom>
+        </p:spPr>
+        <p:style>
+          <a:lnRef idx="1">
+            <a:schemeClr val="accent4"/>
+          </a:lnRef>
+          <a:fillRef idx="2">
+            <a:schemeClr val="accent4"/>
+          </a:fillRef>
+          <a:effectRef idx="1">
+            <a:schemeClr val="accent4"/>
+          </a:effectRef>
+          <a:fontRef idx="minor">
+            <a:schemeClr val="dk1"/>
+          </a:fontRef>
+        </p:style>
+        <p:txBody>
+          <a:bodyPr rtlCol="0" anchor="ctr"/>
+          <a:lstStyle/>
+          <a:p>
+            <a:pPr algn="ctr"/>
+            <a:r>
+              <a:rPr lang="en-US" sz="1200" smtClean="0"/>
+              <a:t>Human</a:t>
+            </a:r>
+          </a:p>
+        </p:txBody>
+      </p:sp>
+      <p:sp>
+        <p:nvSpPr>
+          <p:cNvPr id="64" name="TextBox 63"/>
+          <p:cNvSpPr txBox="1"/>
+          <p:nvPr/>
+        </p:nvSpPr>
+        <p:spPr>
+          <a:xfrm rot="18970241">
+            <a:off x="6142046" y="1344220"/>
+            <a:ext cx="1130300" cy="307777"/>
+          </a:xfrm>
+          <a:prstGeom prst="rect">
+            <a:avLst/>
+          </a:prstGeom>
+          <a:noFill/>
+        </p:spPr>
+        <p:txBody>
+          <a:bodyPr wrap="square" rtlCol="0">
+            <a:spAutoFit/>
+          </a:bodyPr>
+          <a:lstStyle/>
+          <a:p>
+            <a:r>
+              <a:rPr lang="en-US" sz="1400" dirty="0" smtClean="0"/>
+              <a:t>Evaluated by</a:t>
+            </a:r>
+            <a:endParaRPr lang="en-US" sz="1400" dirty="0"/>
+          </a:p>
+        </p:txBody>
+      </p:sp>
+      <p:sp>
+        <p:nvSpPr>
+          <p:cNvPr id="65" name="TextBox 64"/>
+          <p:cNvSpPr txBox="1"/>
+          <p:nvPr/>
+        </p:nvSpPr>
+        <p:spPr>
+          <a:xfrm rot="3253799">
+            <a:off x="6094677" y="2750891"/>
+            <a:ext cx="1130300" cy="307777"/>
+          </a:xfrm>
+          <a:prstGeom prst="rect">
+            <a:avLst/>
+          </a:prstGeom>
+          <a:noFill/>
+        </p:spPr>
+        <p:txBody>
+          <a:bodyPr wrap="square" rtlCol="0">
+            <a:spAutoFit/>
+          </a:bodyPr>
+          <a:lstStyle/>
+          <a:p>
+            <a:r>
+              <a:rPr lang="en-US" sz="1400" smtClean="0"/>
+              <a:t>Evaluated by</a:t>
+            </a:r>
+            <a:endParaRPr lang="en-US" sz="1400"/>
+          </a:p>
+        </p:txBody>
+      </p:sp>
+      <p:sp>
+        <p:nvSpPr>
+          <p:cNvPr id="67" name="TextBox 66"/>
+          <p:cNvSpPr txBox="1"/>
+          <p:nvPr/>
+        </p:nvSpPr>
+        <p:spPr>
+          <a:xfrm rot="5400000">
+            <a:off x="7435284" y="3690479"/>
+            <a:ext cx="755902" cy="523220"/>
+          </a:xfrm>
+          <a:prstGeom prst="rect">
+            <a:avLst/>
+          </a:prstGeom>
+          <a:noFill/>
+        </p:spPr>
+        <p:txBody>
+          <a:bodyPr wrap="square" rtlCol="0">
+            <a:spAutoFit/>
+          </a:bodyPr>
+          <a:lstStyle/>
+          <a:p>
+            <a:r>
+              <a:rPr lang="mr-IN" sz="2800" smtClean="0"/>
+              <a:t>……</a:t>
+            </a:r>
+            <a:endParaRPr lang="en-US" sz="2800" dirty="0"/>
+          </a:p>
+        </p:txBody>
+      </p:sp>
+      <p:cxnSp>
+        <p:nvCxnSpPr>
+          <p:cNvPr id="69" name="Straight Arrow Connector 68"/>
+          <p:cNvCxnSpPr/>
+          <p:nvPr/>
+        </p:nvCxnSpPr>
+        <p:spPr>
+          <a:xfrm>
+            <a:off x="8155688" y="1063157"/>
+            <a:ext cx="914400" cy="635651"/>
+          </a:xfrm>
+          <a:prstGeom prst="straightConnector1">
+            <a:avLst/>
+          </a:prstGeom>
+          <a:ln>
+            <a:tailEnd type="triangle"/>
+          </a:ln>
+        </p:spPr>
+        <p:style>
+          <a:lnRef idx="1">
+            <a:schemeClr val="accent1"/>
+          </a:lnRef>
+          <a:fillRef idx="0">
+            <a:schemeClr val="accent1"/>
+          </a:fillRef>
+          <a:effectRef idx="0">
+            <a:schemeClr val="accent1"/>
+          </a:effectRef>
+          <a:fontRef idx="minor">
+            <a:schemeClr val="tx1"/>
+          </a:fontRef>
+        </p:style>
+      </p:cxnSp>
+      <p:cxnSp>
+        <p:nvCxnSpPr>
+          <p:cNvPr id="71" name="Straight Arrow Connector 70"/>
+          <p:cNvCxnSpPr/>
+          <p:nvPr/>
+        </p:nvCxnSpPr>
+        <p:spPr>
+          <a:xfrm>
+            <a:off x="8181088" y="2137088"/>
+            <a:ext cx="928863" cy="0"/>
+          </a:xfrm>
+          <a:prstGeom prst="straightConnector1">
+            <a:avLst/>
+          </a:prstGeom>
+          <a:ln>
+            <a:tailEnd type="triangle"/>
+          </a:ln>
+        </p:spPr>
+        <p:style>
+          <a:lnRef idx="1">
+            <a:schemeClr val="accent1"/>
+          </a:lnRef>
+          <a:fillRef idx="0">
+            <a:schemeClr val="accent1"/>
+          </a:fillRef>
+          <a:effectRef idx="0">
+            <a:schemeClr val="accent1"/>
+          </a:effectRef>
+          <a:fontRef idx="minor">
+            <a:schemeClr val="tx1"/>
+          </a:fontRef>
+        </p:style>
+      </p:cxnSp>
+      <p:cxnSp>
+        <p:nvCxnSpPr>
+          <p:cNvPr id="73" name="Straight Arrow Connector 72"/>
+          <p:cNvCxnSpPr/>
+          <p:nvPr/>
+        </p:nvCxnSpPr>
+        <p:spPr>
+          <a:xfrm flipV="1">
+            <a:off x="8236212" y="2371679"/>
+            <a:ext cx="955930" cy="926578"/>
+          </a:xfrm>
+          <a:prstGeom prst="straightConnector1">
+            <a:avLst/>
+          </a:prstGeom>
+          <a:ln>
+            <a:tailEnd type="triangle"/>
+          </a:ln>
+        </p:spPr>
+        <p:style>
+          <a:lnRef idx="1">
+            <a:schemeClr val="accent1"/>
+          </a:lnRef>
+          <a:fillRef idx="0">
+            <a:schemeClr val="accent1"/>
+          </a:fillRef>
+          <a:effectRef idx="0">
+            <a:schemeClr val="accent1"/>
+          </a:effectRef>
+          <a:fontRef idx="minor">
+            <a:schemeClr val="tx1"/>
+          </a:fontRef>
+        </p:style>
+      </p:cxnSp>
+      <p:sp>
+        <p:nvSpPr>
+          <p:cNvPr id="75" name="TextBox 74"/>
+          <p:cNvSpPr txBox="1"/>
+          <p:nvPr/>
+        </p:nvSpPr>
+        <p:spPr>
+          <a:xfrm rot="2110017">
+            <a:off x="8339702" y="1139963"/>
+            <a:ext cx="924695" cy="307777"/>
+          </a:xfrm>
+          <a:prstGeom prst="rect">
+            <a:avLst/>
+          </a:prstGeom>
+          <a:noFill/>
+        </p:spPr>
+        <p:txBody>
+          <a:bodyPr wrap="square" rtlCol="0">
+            <a:spAutoFit/>
+          </a:bodyPr>
+          <a:lstStyle/>
+          <a:p>
+            <a:r>
+              <a:rPr lang="en-US" sz="1400" dirty="0" smtClean="0"/>
+              <a:t>Pick real</a:t>
+            </a:r>
+            <a:endParaRPr lang="en-US" sz="1400" dirty="0"/>
+          </a:p>
+        </p:txBody>
+      </p:sp>
+      <p:sp>
+        <p:nvSpPr>
+          <p:cNvPr id="76" name="TextBox 75"/>
+          <p:cNvSpPr txBox="1"/>
+          <p:nvPr/>
+        </p:nvSpPr>
+        <p:spPr>
+          <a:xfrm>
+            <a:off x="8171652" y="1834508"/>
+            <a:ext cx="882472" cy="307777"/>
+          </a:xfrm>
+          <a:prstGeom prst="rect">
+            <a:avLst/>
+          </a:prstGeom>
+          <a:noFill/>
+        </p:spPr>
+        <p:txBody>
+          <a:bodyPr wrap="square" rtlCol="0">
+            <a:spAutoFit/>
+          </a:bodyPr>
+          <a:lstStyle/>
+          <a:p>
+            <a:r>
+              <a:rPr lang="en-US" sz="1400" smtClean="0"/>
+              <a:t>Pick null</a:t>
+            </a:r>
+            <a:endParaRPr lang="en-US" sz="1400" dirty="0"/>
+          </a:p>
+        </p:txBody>
+      </p:sp>
+      <p:sp>
+        <p:nvSpPr>
+          <p:cNvPr id="77" name="TextBox 76"/>
+          <p:cNvSpPr txBox="1"/>
+          <p:nvPr/>
+        </p:nvSpPr>
+        <p:spPr>
+          <a:xfrm rot="18952392">
+            <a:off x="8149939" y="2719921"/>
+            <a:ext cx="800100" cy="307777"/>
+          </a:xfrm>
+          <a:prstGeom prst="rect">
+            <a:avLst/>
+          </a:prstGeom>
+          <a:noFill/>
+        </p:spPr>
+        <p:txBody>
+          <a:bodyPr wrap="square" rtlCol="0">
+            <a:spAutoFit/>
+          </a:bodyPr>
+          <a:lstStyle/>
+          <a:p>
+            <a:r>
+              <a:rPr lang="en-US" sz="1400" smtClean="0"/>
+              <a:t>Pick real</a:t>
+            </a:r>
+            <a:endParaRPr lang="en-US" sz="1400" dirty="0"/>
+          </a:p>
+        </p:txBody>
+      </p:sp>
+      <p:sp>
+        <p:nvSpPr>
+          <p:cNvPr id="82" name="Rectangle 81"/>
+          <p:cNvSpPr/>
+          <p:nvPr/>
+        </p:nvSpPr>
+        <p:spPr>
+          <a:xfrm>
+            <a:off x="9151743" y="1559915"/>
+            <a:ext cx="1295400" cy="710850"/>
+          </a:xfrm>
+          <a:prstGeom prst="rect">
+            <a:avLst/>
+          </a:prstGeom>
+        </p:spPr>
+        <p:style>
+          <a:lnRef idx="1">
+            <a:schemeClr val="accent6"/>
+          </a:lnRef>
+          <a:fillRef idx="2">
+            <a:schemeClr val="accent6"/>
+          </a:fillRef>
+          <a:effectRef idx="1">
+            <a:schemeClr val="accent6"/>
+          </a:effectRef>
+          <a:fontRef idx="minor">
+            <a:schemeClr val="dk1"/>
+          </a:fontRef>
+        </p:style>
+        <p:txBody>
+          <a:bodyPr rtlCol="0" anchor="ctr"/>
+          <a:lstStyle/>
+          <a:p>
+            <a:pPr algn="ctr"/>
+            <a:r>
+              <a:rPr lang="en-US" sz="1400" dirty="0" smtClean="0"/>
+              <a:t>P value calculated for each lineup</a:t>
+            </a:r>
+            <a:endParaRPr lang="en-US" sz="1400" dirty="0"/>
+          </a:p>
+        </p:txBody>
+      </p:sp>
+      <p:sp>
+        <p:nvSpPr>
+          <p:cNvPr id="83" name="TextBox 82"/>
+          <p:cNvSpPr txBox="1"/>
+          <p:nvPr/>
+        </p:nvSpPr>
+        <p:spPr>
+          <a:xfrm rot="5400000">
+            <a:off x="5614200" y="2864955"/>
+            <a:ext cx="709769" cy="523220"/>
+          </a:xfrm>
+          <a:prstGeom prst="rect">
+            <a:avLst/>
+          </a:prstGeom>
+          <a:noFill/>
+        </p:spPr>
+        <p:txBody>
+          <a:bodyPr wrap="square" rtlCol="0">
+            <a:spAutoFit/>
+          </a:bodyPr>
+          <a:lstStyle/>
+          <a:p>
+            <a:r>
+              <a:rPr lang="mr-IN" sz="2800" smtClean="0"/>
+              <a:t>……</a:t>
+            </a:r>
+            <a:endParaRPr lang="en-US" sz="2800" dirty="0"/>
+          </a:p>
+        </p:txBody>
+      </p:sp>
+      <p:sp>
+        <p:nvSpPr>
+          <p:cNvPr id="85" name="TextBox 84"/>
+          <p:cNvSpPr txBox="1"/>
+          <p:nvPr/>
+        </p:nvSpPr>
+        <p:spPr>
+          <a:xfrm>
+            <a:off x="5160304" y="3708158"/>
+            <a:ext cx="1443463" cy="738664"/>
+          </a:xfrm>
+          <a:prstGeom prst="rect">
+            <a:avLst/>
+          </a:prstGeom>
+          <a:noFill/>
+        </p:spPr>
+        <p:txBody>
+          <a:bodyPr wrap="square" rtlCol="0">
+            <a:spAutoFit/>
+          </a:bodyPr>
+          <a:lstStyle/>
+          <a:p>
+            <a:r>
+              <a:rPr lang="en-US" sz="1400" dirty="0" smtClean="0"/>
+              <a:t>70 Lineup in </a:t>
+            </a:r>
+            <a:r>
+              <a:rPr lang="en-US" sz="1400" smtClean="0"/>
+              <a:t>Turk’s experiment 2</a:t>
+            </a:r>
+            <a:endParaRPr lang="en-US" sz="1400"/>
+          </a:p>
+        </p:txBody>
+      </p:sp>
+      <p:sp>
+        <p:nvSpPr>
+          <p:cNvPr id="90" name="TextBox 89"/>
+          <p:cNvSpPr txBox="1"/>
+          <p:nvPr/>
+        </p:nvSpPr>
+        <p:spPr>
+          <a:xfrm>
+            <a:off x="7159937" y="4185212"/>
+            <a:ext cx="1390052" cy="523220"/>
+          </a:xfrm>
+          <a:prstGeom prst="rect">
+            <a:avLst/>
+          </a:prstGeom>
+          <a:noFill/>
+        </p:spPr>
+        <p:txBody>
+          <a:bodyPr wrap="square" rtlCol="0">
+            <a:spAutoFit/>
+          </a:bodyPr>
+          <a:lstStyle/>
+          <a:p>
+            <a:r>
+              <a:rPr lang="en-US" sz="1400" smtClean="0"/>
+              <a:t>351 evaluation by human</a:t>
+            </a:r>
+            <a:endParaRPr lang="en-US" sz="1400"/>
+          </a:p>
+        </p:txBody>
+      </p:sp>
+      <p:cxnSp>
+        <p:nvCxnSpPr>
+          <p:cNvPr id="92" name="Straight Arrow Connector 91"/>
+          <p:cNvCxnSpPr/>
+          <p:nvPr/>
+        </p:nvCxnSpPr>
+        <p:spPr>
+          <a:xfrm flipV="1">
+            <a:off x="10369834" y="995719"/>
+            <a:ext cx="288099" cy="498663"/>
+          </a:xfrm>
+          <a:prstGeom prst="straightConnector1">
+            <a:avLst/>
+          </a:prstGeom>
+          <a:ln>
+            <a:tailEnd type="triangle"/>
+          </a:ln>
+        </p:spPr>
+        <p:style>
+          <a:lnRef idx="1">
+            <a:schemeClr val="accent1"/>
+          </a:lnRef>
+          <a:fillRef idx="0">
+            <a:schemeClr val="accent1"/>
+          </a:fillRef>
+          <a:effectRef idx="0">
+            <a:schemeClr val="accent1"/>
+          </a:effectRef>
+          <a:fontRef idx="minor">
+            <a:schemeClr val="tx1"/>
+          </a:fontRef>
+        </p:style>
+      </p:cxnSp>
+      <p:sp>
+        <p:nvSpPr>
+          <p:cNvPr id="94" name="Rectangle 93"/>
+          <p:cNvSpPr/>
+          <p:nvPr/>
+        </p:nvSpPr>
+        <p:spPr>
+          <a:xfrm>
+            <a:off x="10766646" y="605029"/>
+            <a:ext cx="1295400" cy="710850"/>
+          </a:xfrm>
+          <a:prstGeom prst="rect">
+            <a:avLst/>
+          </a:prstGeom>
+        </p:spPr>
+        <p:style>
+          <a:lnRef idx="2">
+            <a:schemeClr val="accent1">
+              <a:shade val="50000"/>
+            </a:schemeClr>
+          </a:lnRef>
+          <a:fillRef idx="1">
+            <a:schemeClr val="accent1"/>
+          </a:fillRef>
+          <a:effectRef idx="0">
+            <a:schemeClr val="accent1"/>
+          </a:effectRef>
+          <a:fontRef idx="minor">
+            <a:schemeClr val="lt1"/>
+          </a:fontRef>
+        </p:style>
+        <p:txBody>
+          <a:bodyPr rtlCol="0" anchor="ctr"/>
+          <a:lstStyle/>
+          <a:p>
+            <a:pPr algn="ctr"/>
+            <a:r>
+              <a:rPr lang="en-US" sz="1400" dirty="0" smtClean="0"/>
+              <a:t>Conclusion</a:t>
+            </a:r>
+          </a:p>
+          <a:p>
+            <a:pPr algn="ctr"/>
+            <a:r>
+              <a:rPr lang="en-US" sz="1400" dirty="0" smtClean="0"/>
+              <a:t>= </a:t>
+            </a:r>
+          </a:p>
+          <a:p>
+            <a:pPr algn="ctr"/>
+            <a:r>
+              <a:rPr lang="en-US" sz="1400" dirty="0" smtClean="0"/>
+              <a:t>Linear</a:t>
+            </a:r>
+            <a:endParaRPr lang="en-US" sz="1400" dirty="0"/>
+          </a:p>
+        </p:txBody>
+      </p:sp>
+      <p:sp>
+        <p:nvSpPr>
+          <p:cNvPr id="95" name="Rectangle 94"/>
+          <p:cNvSpPr/>
+          <p:nvPr/>
+        </p:nvSpPr>
+        <p:spPr>
+          <a:xfrm>
+            <a:off x="10766646" y="2136516"/>
+            <a:ext cx="1295400" cy="710850"/>
+          </a:xfrm>
+          <a:prstGeom prst="rect">
+            <a:avLst/>
+          </a:prstGeom>
+        </p:spPr>
+        <p:style>
+          <a:lnRef idx="1">
+            <a:schemeClr val="accent5"/>
+          </a:lnRef>
+          <a:fillRef idx="2">
+            <a:schemeClr val="accent5"/>
+          </a:fillRef>
+          <a:effectRef idx="1">
+            <a:schemeClr val="accent5"/>
+          </a:effectRef>
+          <a:fontRef idx="minor">
+            <a:schemeClr val="dk1"/>
+          </a:fontRef>
+        </p:style>
+        <p:txBody>
+          <a:bodyPr rtlCol="0" anchor="ctr"/>
+          <a:lstStyle/>
+          <a:p>
+            <a:pPr algn="ctr"/>
+            <a:r>
+              <a:rPr lang="en-US" sz="1400" dirty="0" smtClean="0"/>
+              <a:t>Conclusion</a:t>
+            </a:r>
+          </a:p>
+          <a:p>
+            <a:pPr algn="ctr"/>
+            <a:r>
+              <a:rPr lang="en-US" sz="1400" dirty="0" smtClean="0"/>
+              <a:t>= </a:t>
+            </a:r>
+          </a:p>
+          <a:p>
+            <a:pPr algn="ctr"/>
+            <a:r>
+              <a:rPr lang="en-US" sz="1400" dirty="0" smtClean="0"/>
+              <a:t>Null</a:t>
+            </a:r>
+            <a:endParaRPr lang="en-US" sz="1400" dirty="0"/>
+          </a:p>
+        </p:txBody>
+      </p:sp>
+      <p:sp>
+        <p:nvSpPr>
+          <p:cNvPr id="96" name="TextBox 95"/>
+          <p:cNvSpPr txBox="1"/>
+          <p:nvPr/>
+        </p:nvSpPr>
+        <p:spPr>
+          <a:xfrm>
+            <a:off x="11028662" y="283706"/>
+            <a:ext cx="851515" cy="307777"/>
+          </a:xfrm>
+          <a:prstGeom prst="rect">
+            <a:avLst/>
+          </a:prstGeom>
+          <a:noFill/>
+        </p:spPr>
+        <p:txBody>
+          <a:bodyPr wrap="none" rtlCol="0">
+            <a:spAutoFit/>
+          </a:bodyPr>
+          <a:lstStyle/>
+          <a:p>
+            <a:r>
+              <a:rPr lang="en-US" sz="1400" dirty="0" smtClean="0"/>
+              <a:t>P &lt; alpha</a:t>
+            </a:r>
+            <a:endParaRPr lang="en-US" sz="1400" dirty="0"/>
+          </a:p>
+        </p:txBody>
+      </p:sp>
+      <p:sp>
+        <p:nvSpPr>
+          <p:cNvPr id="97" name="TextBox 96"/>
+          <p:cNvSpPr txBox="1"/>
+          <p:nvPr/>
+        </p:nvSpPr>
+        <p:spPr>
+          <a:xfrm>
+            <a:off x="11028663" y="2874458"/>
+            <a:ext cx="851515" cy="307777"/>
+          </a:xfrm>
+          <a:prstGeom prst="rect">
+            <a:avLst/>
+          </a:prstGeom>
+          <a:noFill/>
+        </p:spPr>
+        <p:txBody>
+          <a:bodyPr wrap="none" rtlCol="0">
+            <a:spAutoFit/>
+          </a:bodyPr>
+          <a:lstStyle/>
+          <a:p>
+            <a:r>
+              <a:rPr lang="en-US" sz="1400" dirty="0" smtClean="0"/>
+              <a:t>P &gt; alpha</a:t>
+            </a:r>
+            <a:endParaRPr lang="en-US" sz="1400" dirty="0"/>
+          </a:p>
+        </p:txBody>
+      </p:sp>
+      <p:cxnSp>
+        <p:nvCxnSpPr>
+          <p:cNvPr id="99" name="Straight Arrow Connector 98"/>
+          <p:cNvCxnSpPr/>
+          <p:nvPr/>
+        </p:nvCxnSpPr>
+        <p:spPr>
+          <a:xfrm>
+            <a:off x="10453700" y="2095128"/>
+            <a:ext cx="288099" cy="345538"/>
+          </a:xfrm>
+          <a:prstGeom prst="straightConnector1">
+            <a:avLst/>
+          </a:prstGeom>
+          <a:ln>
+            <a:tailEnd type="triangle"/>
+          </a:ln>
+        </p:spPr>
+        <p:style>
+          <a:lnRef idx="1">
+            <a:schemeClr val="accent1"/>
+          </a:lnRef>
+          <a:fillRef idx="0">
+            <a:schemeClr val="accent1"/>
+          </a:fillRef>
+          <a:effectRef idx="0">
+            <a:schemeClr val="accent1"/>
+          </a:effectRef>
+          <a:fontRef idx="minor">
+            <a:schemeClr val="tx1"/>
+          </a:fontRef>
+        </p:style>
+      </p:cxnSp>
+    </p:spTree>
+    <p:extLst>
+      <p:ext uri="{BB962C8B-B14F-4D97-AF65-F5344CB8AC3E}">
+        <p14:creationId xmlns:p14="http://schemas.microsoft.com/office/powerpoint/2010/main" val="1071437373"/>
+      </p:ext>
+    </p:extLst>
+  </p:cSld>
+  <p:clrMapOvr>
+    <a:masterClrMapping/>
+  </p:clrMapOvr>
+  <p:timing>
+    <p:tnLst>
+      <p:par>
+        <p:cTn id="1" dur="indefinite" restart="never" nodeType="tmRoot"/>
+      </p:par>
+    </p:tnLst>
+  </p:timing>
+</p:sld>
+</file>
+
 <file path=ppt/theme/theme1.xml><?xml version="1.0" encoding="utf-8"?>
 <a:theme xmlns:a="http://schemas.openxmlformats.org/drawingml/2006/main" name="Office Theme">
   <a:themeElements>
@@ -4137,4 +6394,265 @@
     </a:ext>
   </a:extLst>
 </a:theme>
+</file>
+
+<file path=ppt/theme/theme2.xml><?xml version="1.0" encoding="utf-8"?>
+<a:theme xmlns:a="http://schemas.openxmlformats.org/drawingml/2006/main" name="Office Theme">
+  <a:themeElements>
+    <a:clrScheme name="Office">
+      <a:dk1>
+        <a:sysClr val="windowText" lastClr="000000"/>
+      </a:dk1>
+      <a:lt1>
+        <a:sysClr val="window" lastClr="FFFFFF"/>
+      </a:lt1>
+      <a:dk2>
+        <a:srgbClr val="44546A"/>
+      </a:dk2>
+      <a:lt2>
+        <a:srgbClr val="E7E6E6"/>
+      </a:lt2>
+      <a:accent1>
+        <a:srgbClr val="4472C4"/>
+      </a:accent1>
+      <a:accent2>
+        <a:srgbClr val="ED7D31"/>
+      </a:accent2>
+      <a:accent3>
+        <a:srgbClr val="A5A5A5"/>
+      </a:accent3>
+      <a:accent4>
+        <a:srgbClr val="FFC000"/>
+      </a:accent4>
+      <a:accent5>
+        <a:srgbClr val="5B9BD5"/>
+      </a:accent5>
+      <a:accent6>
+        <a:srgbClr val="70AD47"/>
+      </a:accent6>
+      <a:hlink>
+        <a:srgbClr val="0563C1"/>
+      </a:hlink>
+      <a:folHlink>
+        <a:srgbClr val="954F72"/>
+      </a:folHlink>
+    </a:clrScheme>
+    <a:fontScheme name="Office">
+      <a:majorFont>
+        <a:latin typeface="Calibri Light" panose="020F0302020204030204"/>
+        <a:ea typeface=""/>
+        <a:cs typeface=""/>
+        <a:font script="Jpan" typeface="Yu Gothic Light"/>
+        <a:font script="Hang" typeface="맑은 고딕"/>
+        <a:font script="Hans" typeface="DengXian Light"/>
+        <a:font script="Hant" typeface="新細明體"/>
+        <a:font script="Arab" typeface="Times New Roman"/>
+        <a:font script="Hebr" typeface="Times New Roman"/>
+        <a:font script="Thai" typeface="Angsana New"/>
+        <a:font script="Ethi" typeface="Nyala"/>
+        <a:font script="Beng" typeface="Vrinda"/>
+        <a:font script="Gujr" typeface="Shruti"/>
+        <a:font script="Khmr" typeface="MoolBoran"/>
+        <a:font script="Knda" typeface="Tunga"/>
+        <a:font script="Guru" typeface="Raavi"/>
+        <a:font script="Cans" typeface="Euphemia"/>
+        <a:font script="Cher" typeface="Plantagenet Cherokee"/>
+        <a:font script="Yiii" typeface="Microsoft Yi Baiti"/>
+        <a:font script="Tibt" typeface="Microsoft Himalaya"/>
+        <a:font script="Thaa" typeface="MV Boli"/>
+        <a:font script="Deva" typeface="Mangal"/>
+        <a:font script="Telu" typeface="Gautami"/>
+        <a:font script="Taml" typeface="Latha"/>
+        <a:font script="Syrc" typeface="Estrangelo Edessa"/>
+        <a:font script="Orya" typeface="Kalinga"/>
+        <a:font script="Mlym" typeface="Kartika"/>
+        <a:font script="Laoo" typeface="DokChampa"/>
+        <a:font script="Sinh" typeface="Iskoola Pota"/>
+        <a:font script="Mong" typeface="Mongolian Baiti"/>
+        <a:font script="Viet" typeface="Times New Roman"/>
+        <a:font script="Uigh" typeface="Microsoft Uighur"/>
+        <a:font script="Geor" typeface="Sylfaen"/>
+      </a:majorFont>
+      <a:minorFont>
+        <a:latin typeface="Calibri" panose="020F0502020204030204"/>
+        <a:ea typeface=""/>
+        <a:cs typeface=""/>
+        <a:font script="Jpan" typeface="Yu Gothic"/>
+        <a:font script="Hang" typeface="맑은 고딕"/>
+        <a:font script="Hans" typeface="DengXian"/>
+        <a:font script="Hant" typeface="新細明體"/>
+        <a:font script="Arab" typeface="Arial"/>
+        <a:font script="Hebr" typeface="Arial"/>
+        <a:font script="Thai" typeface="Cordia New"/>
+        <a:font script="Ethi" typeface="Nyala"/>
+        <a:font script="Beng" typeface="Vrinda"/>
+        <a:font script="Gujr" typeface="Shruti"/>
+        <a:font script="Khmr" typeface="DaunPenh"/>
+        <a:font script="Knda" typeface="Tunga"/>
+        <a:font script="Guru" typeface="Raavi"/>
+        <a:font script="Cans" typeface="Euphemia"/>
+        <a:font script="Cher" typeface="Plantagenet Cherokee"/>
+        <a:font script="Yiii" typeface="Microsoft Yi Baiti"/>
+        <a:font script="Tibt" typeface="Microsoft Himalaya"/>
+        <a:font script="Thaa" typeface="MV Boli"/>
+        <a:font script="Deva" typeface="Mangal"/>
+        <a:font script="Telu" typeface="Gautami"/>
+        <a:font script="Taml" typeface="Latha"/>
+        <a:font script="Syrc" typeface="Estrangelo Edessa"/>
+        <a:font script="Orya" typeface="Kalinga"/>
+        <a:font script="Mlym" typeface="Kartika"/>
+        <a:font script="Laoo" typeface="DokChampa"/>
+        <a:font script="Sinh" typeface="Iskoola Pota"/>
+        <a:font script="Mong" typeface="Mongolian Baiti"/>
+        <a:font script="Viet" typeface="Arial"/>
+        <a:font script="Uigh" typeface="Microsoft Uighur"/>
+        <a:font script="Geor" typeface="Sylfaen"/>
+      </a:minorFont>
+    </a:fontScheme>
+    <a:fmtScheme name="Office">
+      <a:fillStyleLst>
+        <a:solidFill>
+          <a:schemeClr val="phClr"/>
+        </a:solidFill>
+        <a:gradFill rotWithShape="1">
+          <a:gsLst>
+            <a:gs pos="0">
+              <a:schemeClr val="phClr">
+                <a:lumMod val="110000"/>
+                <a:satMod val="105000"/>
+                <a:tint val="67000"/>
+              </a:schemeClr>
+            </a:gs>
+            <a:gs pos="50000">
+              <a:schemeClr val="phClr">
+                <a:lumMod val="105000"/>
+                <a:satMod val="103000"/>
+                <a:tint val="73000"/>
+              </a:schemeClr>
+            </a:gs>
+            <a:gs pos="100000">
+              <a:schemeClr val="phClr">
+                <a:lumMod val="105000"/>
+                <a:satMod val="109000"/>
+                <a:tint val="81000"/>
+              </a:schemeClr>
+            </a:gs>
+          </a:gsLst>
+          <a:lin ang="5400000" scaled="0"/>
+        </a:gradFill>
+        <a:gradFill rotWithShape="1">
+          <a:gsLst>
+            <a:gs pos="0">
+              <a:schemeClr val="phClr">
+                <a:satMod val="103000"/>
+                <a:lumMod val="102000"/>
+                <a:tint val="94000"/>
+              </a:schemeClr>
+            </a:gs>
+            <a:gs pos="50000">
+              <a:schemeClr val="phClr">
+                <a:satMod val="110000"/>
+                <a:lumMod val="100000"/>
+                <a:shade val="100000"/>
+              </a:schemeClr>
+            </a:gs>
+            <a:gs pos="100000">
+              <a:schemeClr val="phClr">
+                <a:lumMod val="99000"/>
+                <a:satMod val="120000"/>
+                <a:shade val="78000"/>
+              </a:schemeClr>
+            </a:gs>
+          </a:gsLst>
+          <a:lin ang="5400000" scaled="0"/>
+        </a:gradFill>
+      </a:fillStyleLst>
+      <a:lnStyleLst>
+        <a:ln w="6350" cap="flat" cmpd="sng" algn="ctr">
+          <a:solidFill>
+            <a:schemeClr val="phClr"/>
+          </a:solidFill>
+          <a:prstDash val="solid"/>
+          <a:miter lim="800000"/>
+        </a:ln>
+        <a:ln w="12700" cap="flat" cmpd="sng" algn="ctr">
+          <a:solidFill>
+            <a:schemeClr val="phClr"/>
+          </a:solidFill>
+          <a:prstDash val="solid"/>
+          <a:miter lim="800000"/>
+        </a:ln>
+        <a:ln w="19050" cap="flat" cmpd="sng" algn="ctr">
+          <a:solidFill>
+            <a:schemeClr val="phClr"/>
+          </a:solidFill>
+          <a:prstDash val="solid"/>
+          <a:miter lim="800000"/>
+        </a:ln>
+      </a:lnStyleLst>
+      <a:effectStyleLst>
+        <a:effectStyle>
+          <a:effectLst/>
+        </a:effectStyle>
+        <a:effectStyle>
+          <a:effectLst/>
+        </a:effectStyle>
+        <a:effectStyle>
+          <a:effectLst>
+            <a:outerShdw blurRad="57150" dist="19050" dir="5400000" algn="ctr" rotWithShape="0">
+              <a:srgbClr val="000000">
+                <a:alpha val="63000"/>
+              </a:srgbClr>
+            </a:outerShdw>
+          </a:effectLst>
+        </a:effectStyle>
+      </a:effectStyleLst>
+      <a:bgFillStyleLst>
+        <a:solidFill>
+          <a:schemeClr val="phClr"/>
+        </a:solidFill>
+        <a:solidFill>
+          <a:schemeClr val="phClr">
+            <a:tint val="95000"/>
+            <a:satMod val="170000"/>
+          </a:schemeClr>
+        </a:solidFill>
+        <a:gradFill rotWithShape="1">
+          <a:gsLst>
+            <a:gs pos="0">
+              <a:schemeClr val="phClr">
+                <a:tint val="93000"/>
+                <a:satMod val="150000"/>
+                <a:shade val="98000"/>
+                <a:lumMod val="102000"/>
+              </a:schemeClr>
+            </a:gs>
+            <a:gs pos="50000">
+              <a:schemeClr val="phClr">
+                <a:tint val="98000"/>
+                <a:satMod val="130000"/>
+                <a:shade val="90000"/>
+                <a:lumMod val="103000"/>
+              </a:schemeClr>
+            </a:gs>
+            <a:gs pos="100000">
+              <a:schemeClr val="phClr">
+                <a:shade val="63000"/>
+                <a:satMod val="120000"/>
+              </a:schemeClr>
+            </a:gs>
+          </a:gsLst>
+          <a:lin ang="5400000" scaled="0"/>
+        </a:gradFill>
+      </a:bgFillStyleLst>
+    </a:fmtScheme>
+  </a:themeElements>
+  <a:objectDefaults/>
+  <a:extraClrSchemeLst/>
+  <a:extLst>
+    <a:ext uri="{05A4C25C-085E-4340-85A3-A5531E510DB2}">
+      <thm15:themeFamily xmlns:thm15="http://schemas.microsoft.com/office/thememl/2012/main" name="Office Theme" id="{62F939B6-93AF-4DB8-9C6B-D6C7DFDC589F}" vid="{4A3C46E8-61CC-4603-A589-7422A47A8E4A}"/>
+    </a:ext>
+  </a:extLst>
+</a:theme>
 </file>